--- a/manuscript/manuscript_figures/hypothesisTesting_option3.pptx
+++ b/manuscript/manuscript_figures/hypothesisTesting_option3.pptx
@@ -117,18 +117,18 @@
   <pc:docChgLst>
     <pc:chgData name="Tyler Milewski" userId="d8a66fee8314b92f" providerId="LiveId" clId="{6746FB19-5958-4553-B773-A69C6BE5E163}"/>
     <pc:docChg chg="modSld">
-      <pc:chgData name="Tyler Milewski" userId="d8a66fee8314b92f" providerId="LiveId" clId="{6746FB19-5958-4553-B773-A69C6BE5E163}" dt="2024-01-02T21:16:10.563" v="4" actId="14100"/>
+      <pc:chgData name="Tyler Milewski" userId="d8a66fee8314b92f" providerId="LiveId" clId="{6746FB19-5958-4553-B773-A69C6BE5E163}" dt="2024-01-03T18:53:16.712" v="27" actId="1035"/>
       <pc:docMkLst>
         <pc:docMk/>
       </pc:docMkLst>
       <pc:sldChg chg="modSp mod">
-        <pc:chgData name="Tyler Milewski" userId="d8a66fee8314b92f" providerId="LiveId" clId="{6746FB19-5958-4553-B773-A69C6BE5E163}" dt="2024-01-02T21:16:10.563" v="4" actId="14100"/>
+        <pc:chgData name="Tyler Milewski" userId="d8a66fee8314b92f" providerId="LiveId" clId="{6746FB19-5958-4553-B773-A69C6BE5E163}" dt="2024-01-03T18:53:16.712" v="27" actId="1035"/>
         <pc:sldMkLst>
           <pc:docMk/>
           <pc:sldMk cId="2439964911" sldId="256"/>
         </pc:sldMkLst>
         <pc:spChg chg="mod">
-          <ac:chgData name="Tyler Milewski" userId="d8a66fee8314b92f" providerId="LiveId" clId="{6746FB19-5958-4553-B773-A69C6BE5E163}" dt="2024-01-02T21:16:10.563" v="4" actId="14100"/>
+          <ac:chgData name="Tyler Milewski" userId="d8a66fee8314b92f" providerId="LiveId" clId="{6746FB19-5958-4553-B773-A69C6BE5E163}" dt="2024-01-03T18:53:16.712" v="27" actId="1035"/>
           <ac:spMkLst>
             <pc:docMk/>
             <pc:sldMk cId="2439964911" sldId="256"/>
@@ -272,7 +272,7 @@
           <a:p>
             <a:fld id="{E1301B40-9876-4610-BFD9-2882A48A23A8}" type="datetimeFigureOut">
               <a:rPr lang="en-US" smtClean="0"/>
-              <a:t>1/2/2024</a:t>
+              <a:t>1/3/2024</a:t>
             </a:fld>
             <a:endParaRPr lang="en-US"/>
           </a:p>
@@ -442,7 +442,7 @@
           <a:p>
             <a:fld id="{E1301B40-9876-4610-BFD9-2882A48A23A8}" type="datetimeFigureOut">
               <a:rPr lang="en-US" smtClean="0"/>
-              <a:t>1/2/2024</a:t>
+              <a:t>1/3/2024</a:t>
             </a:fld>
             <a:endParaRPr lang="en-US"/>
           </a:p>
@@ -622,7 +622,7 @@
           <a:p>
             <a:fld id="{E1301B40-9876-4610-BFD9-2882A48A23A8}" type="datetimeFigureOut">
               <a:rPr lang="en-US" smtClean="0"/>
-              <a:t>1/2/2024</a:t>
+              <a:t>1/3/2024</a:t>
             </a:fld>
             <a:endParaRPr lang="en-US"/>
           </a:p>
@@ -792,7 +792,7 @@
           <a:p>
             <a:fld id="{E1301B40-9876-4610-BFD9-2882A48A23A8}" type="datetimeFigureOut">
               <a:rPr lang="en-US" smtClean="0"/>
-              <a:t>1/2/2024</a:t>
+              <a:t>1/3/2024</a:t>
             </a:fld>
             <a:endParaRPr lang="en-US"/>
           </a:p>
@@ -1036,7 +1036,7 @@
           <a:p>
             <a:fld id="{E1301B40-9876-4610-BFD9-2882A48A23A8}" type="datetimeFigureOut">
               <a:rPr lang="en-US" smtClean="0"/>
-              <a:t>1/2/2024</a:t>
+              <a:t>1/3/2024</a:t>
             </a:fld>
             <a:endParaRPr lang="en-US"/>
           </a:p>
@@ -1268,7 +1268,7 @@
           <a:p>
             <a:fld id="{E1301B40-9876-4610-BFD9-2882A48A23A8}" type="datetimeFigureOut">
               <a:rPr lang="en-US" smtClean="0"/>
-              <a:t>1/2/2024</a:t>
+              <a:t>1/3/2024</a:t>
             </a:fld>
             <a:endParaRPr lang="en-US"/>
           </a:p>
@@ -1635,7 +1635,7 @@
           <a:p>
             <a:fld id="{E1301B40-9876-4610-BFD9-2882A48A23A8}" type="datetimeFigureOut">
               <a:rPr lang="en-US" smtClean="0"/>
-              <a:t>1/2/2024</a:t>
+              <a:t>1/3/2024</a:t>
             </a:fld>
             <a:endParaRPr lang="en-US"/>
           </a:p>
@@ -1753,7 +1753,7 @@
           <a:p>
             <a:fld id="{E1301B40-9876-4610-BFD9-2882A48A23A8}" type="datetimeFigureOut">
               <a:rPr lang="en-US" smtClean="0"/>
-              <a:t>1/2/2024</a:t>
+              <a:t>1/3/2024</a:t>
             </a:fld>
             <a:endParaRPr lang="en-US"/>
           </a:p>
@@ -1848,7 +1848,7 @@
           <a:p>
             <a:fld id="{E1301B40-9876-4610-BFD9-2882A48A23A8}" type="datetimeFigureOut">
               <a:rPr lang="en-US" smtClean="0"/>
-              <a:t>1/2/2024</a:t>
+              <a:t>1/3/2024</a:t>
             </a:fld>
             <a:endParaRPr lang="en-US"/>
           </a:p>
@@ -2125,7 +2125,7 @@
           <a:p>
             <a:fld id="{E1301B40-9876-4610-BFD9-2882A48A23A8}" type="datetimeFigureOut">
               <a:rPr lang="en-US" smtClean="0"/>
-              <a:t>1/2/2024</a:t>
+              <a:t>1/3/2024</a:t>
             </a:fld>
             <a:endParaRPr lang="en-US"/>
           </a:p>
@@ -2382,7 +2382,7 @@
           <a:p>
             <a:fld id="{E1301B40-9876-4610-BFD9-2882A48A23A8}" type="datetimeFigureOut">
               <a:rPr lang="en-US" smtClean="0"/>
-              <a:t>1/2/2024</a:t>
+              <a:t>1/3/2024</a:t>
             </a:fld>
             <a:endParaRPr lang="en-US"/>
           </a:p>
@@ -2595,7 +2595,7 @@
           <a:p>
             <a:fld id="{E1301B40-9876-4610-BFD9-2882A48A23A8}" type="datetimeFigureOut">
               <a:rPr lang="en-US" smtClean="0"/>
-              <a:t>1/2/2024</a:t>
+              <a:t>1/3/2024</a:t>
             </a:fld>
             <a:endParaRPr lang="en-US"/>
           </a:p>
@@ -3304,8 +3304,8 @@
         </p:nvSpPr>
         <p:spPr>
           <a:xfrm>
-            <a:off x="23444" y="3889"/>
-            <a:ext cx="15464709" cy="10050622"/>
+            <a:off x="56647" y="15631"/>
+            <a:ext cx="15431505" cy="10015436"/>
           </a:xfrm>
           <a:prstGeom prst="rect">
             <a:avLst/>
